--- a/5_structuring your code.pptx
+++ b/5_structuring your code.pptx
@@ -16,14 +16,16 @@
     <p:sldId id="261" r:id="rId11"/>
     <p:sldId id="262" r:id="rId12"/>
     <p:sldId id="263" r:id="rId13"/>
+    <p:sldId id="264" r:id="rId14"/>
+    <p:sldId id="265" r:id="rId15"/>
   </p:sldIdLst>
   <p:sldSz cy="5143500" cx="9144000"/>
   <p:notesSz cx="6858000" cy="9144000"/>
   <p:embeddedFontLst>
     <p:embeddedFont>
       <p:font typeface="Amatic SC"/>
-      <p:regular r:id="rId14"/>
-      <p:bold r:id="rId15"/>
+      <p:regular r:id="rId16"/>
+      <p:bold r:id="rId17"/>
     </p:embeddedFont>
   </p:embeddedFontLst>
   <p:defaultTextStyle>
@@ -799,12 +801,12 @@
 </p:notes>
 </file>
 
-<file path=ppt/notesSlides/notesSlide2.xml><?xml version="1.0" encoding="utf-8"?>
+<file path=ppt/notesSlides/notesSlide10.xml><?xml version="1.0" encoding="utf-8"?>
 <p:notes xmlns:a="http://schemas.openxmlformats.org/drawingml/2006/main" xmlns:r="http://schemas.openxmlformats.org/officeDocument/2006/relationships" xmlns:mc="http://schemas.openxmlformats.org/markup-compatibility/2006" xmlns:mv="urn:schemas-microsoft-com:mac:vml" xmlns:p="http://schemas.openxmlformats.org/presentationml/2006/main" xmlns:c="http://schemas.openxmlformats.org/drawingml/2006/chart" xmlns:dgm="http://schemas.openxmlformats.org/drawingml/2006/diagram" xmlns:o="urn:schemas-microsoft-com:office:office" xmlns:v="urn:schemas-microsoft-com:vml" xmlns:pvml="urn:schemas-microsoft-com:office:powerpoint" xmlns:com="http://schemas.openxmlformats.org/drawingml/2006/compatibility" xmlns:p14="http://schemas.microsoft.com/office/powerpoint/2010/main" xmlns:p15="http://schemas.microsoft.com/office/powerpoint/2012/main" xmlns:ahyp="http://schemas.microsoft.com/office/drawing/2018/hyperlinkcolor" showMasterPhAnim="0" showMasterSp="0">
   <p:cSld>
     <p:spTree>
       <p:nvGrpSpPr>
-        <p:cNvPr id="55" name="Shape 55"/>
+        <p:cNvPr id="102" name="Shape 102"/>
         <p:cNvGrpSpPr/>
         <p:nvPr/>
       </p:nvGrpSpPr>
@@ -818,7 +820,7 @@
       </p:grpSpPr>
       <p:sp>
         <p:nvSpPr>
-          <p:cNvPr id="56" name="Google Shape;56;g12180be0f17_0_0:notes"/>
+          <p:cNvPr id="103" name="Google Shape;103;g12180be0f17_0_20:notes"/>
           <p:cNvSpPr/>
           <p:nvPr>
             <p:ph idx="2" type="sldImg"/>
@@ -853,7 +855,7 @@
       </p:sp>
       <p:sp>
         <p:nvSpPr>
-          <p:cNvPr id="57" name="Google Shape;57;g12180be0f17_0_0:notes"/>
+          <p:cNvPr id="104" name="Google Shape;104;g12180be0f17_0_20:notes"/>
           <p:cNvSpPr txBox="1"/>
           <p:nvPr>
             <p:ph idx="1" type="body"/>
@@ -898,12 +900,12 @@
 </p:notes>
 </file>
 
-<file path=ppt/notesSlides/notesSlide3.xml><?xml version="1.0" encoding="utf-8"?>
+<file path=ppt/notesSlides/notesSlide2.xml><?xml version="1.0" encoding="utf-8"?>
 <p:notes xmlns:a="http://schemas.openxmlformats.org/drawingml/2006/main" xmlns:r="http://schemas.openxmlformats.org/officeDocument/2006/relationships" xmlns:mc="http://schemas.openxmlformats.org/markup-compatibility/2006" xmlns:mv="urn:schemas-microsoft-com:mac:vml" xmlns:p="http://schemas.openxmlformats.org/presentationml/2006/main" xmlns:c="http://schemas.openxmlformats.org/drawingml/2006/chart" xmlns:dgm="http://schemas.openxmlformats.org/drawingml/2006/diagram" xmlns:o="urn:schemas-microsoft-com:office:office" xmlns:v="urn:schemas-microsoft-com:vml" xmlns:pvml="urn:schemas-microsoft-com:office:powerpoint" xmlns:com="http://schemas.openxmlformats.org/drawingml/2006/compatibility" xmlns:p14="http://schemas.microsoft.com/office/powerpoint/2010/main" xmlns:p15="http://schemas.microsoft.com/office/powerpoint/2012/main" xmlns:ahyp="http://schemas.microsoft.com/office/drawing/2018/hyperlinkcolor" showMasterPhAnim="0" showMasterSp="0">
   <p:cSld>
     <p:spTree>
       <p:nvGrpSpPr>
-        <p:cNvPr id="61" name="Shape 61"/>
+        <p:cNvPr id="56" name="Shape 56"/>
         <p:cNvGrpSpPr/>
         <p:nvPr/>
       </p:nvGrpSpPr>
@@ -917,7 +919,7 @@
       </p:grpSpPr>
       <p:sp>
         <p:nvSpPr>
-          <p:cNvPr id="62" name="Google Shape;62;g12180be0f17_0_14:notes"/>
+          <p:cNvPr id="57" name="Google Shape;57;g12180be0f17_0_0:notes"/>
           <p:cNvSpPr/>
           <p:nvPr>
             <p:ph idx="2" type="sldImg"/>
@@ -952,7 +954,7 @@
       </p:sp>
       <p:sp>
         <p:nvSpPr>
-          <p:cNvPr id="63" name="Google Shape;63;g12180be0f17_0_14:notes"/>
+          <p:cNvPr id="58" name="Google Shape;58;g12180be0f17_0_0:notes"/>
           <p:cNvSpPr txBox="1"/>
           <p:nvPr>
             <p:ph idx="1" type="body"/>
@@ -997,12 +999,12 @@
 </p:notes>
 </file>
 
-<file path=ppt/notesSlides/notesSlide4.xml><?xml version="1.0" encoding="utf-8"?>
+<file path=ppt/notesSlides/notesSlide3.xml><?xml version="1.0" encoding="utf-8"?>
 <p:notes xmlns:a="http://schemas.openxmlformats.org/drawingml/2006/main" xmlns:r="http://schemas.openxmlformats.org/officeDocument/2006/relationships" xmlns:mc="http://schemas.openxmlformats.org/markup-compatibility/2006" xmlns:mv="urn:schemas-microsoft-com:mac:vml" xmlns:p="http://schemas.openxmlformats.org/presentationml/2006/main" xmlns:c="http://schemas.openxmlformats.org/drawingml/2006/chart" xmlns:dgm="http://schemas.openxmlformats.org/drawingml/2006/diagram" xmlns:o="urn:schemas-microsoft-com:office:office" xmlns:v="urn:schemas-microsoft-com:vml" xmlns:pvml="urn:schemas-microsoft-com:office:powerpoint" xmlns:com="http://schemas.openxmlformats.org/drawingml/2006/compatibility" xmlns:p14="http://schemas.microsoft.com/office/powerpoint/2010/main" xmlns:p15="http://schemas.microsoft.com/office/powerpoint/2012/main" xmlns:ahyp="http://schemas.microsoft.com/office/drawing/2018/hyperlinkcolor" showMasterPhAnim="0" showMasterSp="0">
   <p:cSld>
     <p:spTree>
       <p:nvGrpSpPr>
-        <p:cNvPr id="67" name="Shape 67"/>
+        <p:cNvPr id="62" name="Shape 62"/>
         <p:cNvGrpSpPr/>
         <p:nvPr/>
       </p:nvGrpSpPr>
@@ -1016,7 +1018,7 @@
       </p:grpSpPr>
       <p:sp>
         <p:nvSpPr>
-          <p:cNvPr id="68" name="Google Shape;68;g12180be0f17_0_8:notes"/>
+          <p:cNvPr id="63" name="Google Shape;63;g12180be0f17_0_14:notes"/>
           <p:cNvSpPr/>
           <p:nvPr>
             <p:ph idx="2" type="sldImg"/>
@@ -1051,7 +1053,7 @@
       </p:sp>
       <p:sp>
         <p:nvSpPr>
-          <p:cNvPr id="69" name="Google Shape;69;g12180be0f17_0_8:notes"/>
+          <p:cNvPr id="64" name="Google Shape;64;g12180be0f17_0_14:notes"/>
           <p:cNvSpPr txBox="1"/>
           <p:nvPr>
             <p:ph idx="1" type="body"/>
@@ -1096,12 +1098,12 @@
 </p:notes>
 </file>
 
-<file path=ppt/notesSlides/notesSlide5.xml><?xml version="1.0" encoding="utf-8"?>
+<file path=ppt/notesSlides/notesSlide4.xml><?xml version="1.0" encoding="utf-8"?>
 <p:notes xmlns:a="http://schemas.openxmlformats.org/drawingml/2006/main" xmlns:r="http://schemas.openxmlformats.org/officeDocument/2006/relationships" xmlns:mc="http://schemas.openxmlformats.org/markup-compatibility/2006" xmlns:mv="urn:schemas-microsoft-com:mac:vml" xmlns:p="http://schemas.openxmlformats.org/presentationml/2006/main" xmlns:c="http://schemas.openxmlformats.org/drawingml/2006/chart" xmlns:dgm="http://schemas.openxmlformats.org/drawingml/2006/diagram" xmlns:o="urn:schemas-microsoft-com:office:office" xmlns:v="urn:schemas-microsoft-com:vml" xmlns:pvml="urn:schemas-microsoft-com:office:powerpoint" xmlns:com="http://schemas.openxmlformats.org/drawingml/2006/compatibility" xmlns:p14="http://schemas.microsoft.com/office/powerpoint/2010/main" xmlns:p15="http://schemas.microsoft.com/office/powerpoint/2012/main" xmlns:ahyp="http://schemas.microsoft.com/office/drawing/2018/hyperlinkcolor" showMasterPhAnim="0" showMasterSp="0">
   <p:cSld>
     <p:spTree>
       <p:nvGrpSpPr>
-        <p:cNvPr id="73" name="Shape 73"/>
+        <p:cNvPr id="68" name="Shape 68"/>
         <p:cNvGrpSpPr/>
         <p:nvPr/>
       </p:nvGrpSpPr>
@@ -1115,7 +1117,7 @@
       </p:grpSpPr>
       <p:sp>
         <p:nvSpPr>
-          <p:cNvPr id="74" name="Google Shape;74;g123aefd3aff_1_0:notes"/>
+          <p:cNvPr id="69" name="Google Shape;69;g12180be0f17_0_8:notes"/>
           <p:cNvSpPr/>
           <p:nvPr>
             <p:ph idx="2" type="sldImg"/>
@@ -1150,7 +1152,7 @@
       </p:sp>
       <p:sp>
         <p:nvSpPr>
-          <p:cNvPr id="75" name="Google Shape;75;g123aefd3aff_1_0:notes"/>
+          <p:cNvPr id="70" name="Google Shape;70;g12180be0f17_0_8:notes"/>
           <p:cNvSpPr txBox="1"/>
           <p:nvPr>
             <p:ph idx="1" type="body"/>
@@ -1195,12 +1197,12 @@
 </p:notes>
 </file>
 
-<file path=ppt/notesSlides/notesSlide6.xml><?xml version="1.0" encoding="utf-8"?>
+<file path=ppt/notesSlides/notesSlide5.xml><?xml version="1.0" encoding="utf-8"?>
 <p:notes xmlns:a="http://schemas.openxmlformats.org/drawingml/2006/main" xmlns:r="http://schemas.openxmlformats.org/officeDocument/2006/relationships" xmlns:mc="http://schemas.openxmlformats.org/markup-compatibility/2006" xmlns:mv="urn:schemas-microsoft-com:mac:vml" xmlns:p="http://schemas.openxmlformats.org/presentationml/2006/main" xmlns:c="http://schemas.openxmlformats.org/drawingml/2006/chart" xmlns:dgm="http://schemas.openxmlformats.org/drawingml/2006/diagram" xmlns:o="urn:schemas-microsoft-com:office:office" xmlns:v="urn:schemas-microsoft-com:vml" xmlns:pvml="urn:schemas-microsoft-com:office:powerpoint" xmlns:com="http://schemas.openxmlformats.org/drawingml/2006/compatibility" xmlns:p14="http://schemas.microsoft.com/office/powerpoint/2010/main" xmlns:p15="http://schemas.microsoft.com/office/powerpoint/2012/main" xmlns:ahyp="http://schemas.microsoft.com/office/drawing/2018/hyperlinkcolor" showMasterPhAnim="0" showMasterSp="0">
   <p:cSld>
     <p:spTree>
       <p:nvGrpSpPr>
-        <p:cNvPr id="79" name="Shape 79"/>
+        <p:cNvPr id="74" name="Shape 74"/>
         <p:cNvGrpSpPr/>
         <p:nvPr/>
       </p:nvGrpSpPr>
@@ -1214,7 +1216,7 @@
       </p:grpSpPr>
       <p:sp>
         <p:nvSpPr>
-          <p:cNvPr id="80" name="Google Shape;80;g123aefd3aff_1_6:notes"/>
+          <p:cNvPr id="75" name="Google Shape;75;g123aefd3aff_1_0:notes"/>
           <p:cNvSpPr/>
           <p:nvPr>
             <p:ph idx="2" type="sldImg"/>
@@ -1249,7 +1251,7 @@
       </p:sp>
       <p:sp>
         <p:nvSpPr>
-          <p:cNvPr id="81" name="Google Shape;81;g123aefd3aff_1_6:notes"/>
+          <p:cNvPr id="76" name="Google Shape;76;g123aefd3aff_1_0:notes"/>
           <p:cNvSpPr txBox="1"/>
           <p:nvPr>
             <p:ph idx="1" type="body"/>
@@ -1294,12 +1296,12 @@
 </p:notes>
 </file>
 
-<file path=ppt/notesSlides/notesSlide7.xml><?xml version="1.0" encoding="utf-8"?>
+<file path=ppt/notesSlides/notesSlide6.xml><?xml version="1.0" encoding="utf-8"?>
 <p:notes xmlns:a="http://schemas.openxmlformats.org/drawingml/2006/main" xmlns:r="http://schemas.openxmlformats.org/officeDocument/2006/relationships" xmlns:mc="http://schemas.openxmlformats.org/markup-compatibility/2006" xmlns:mv="urn:schemas-microsoft-com:mac:vml" xmlns:p="http://schemas.openxmlformats.org/presentationml/2006/main" xmlns:c="http://schemas.openxmlformats.org/drawingml/2006/chart" xmlns:dgm="http://schemas.openxmlformats.org/drawingml/2006/diagram" xmlns:o="urn:schemas-microsoft-com:office:office" xmlns:v="urn:schemas-microsoft-com:vml" xmlns:pvml="urn:schemas-microsoft-com:office:powerpoint" xmlns:com="http://schemas.openxmlformats.org/drawingml/2006/compatibility" xmlns:p14="http://schemas.microsoft.com/office/powerpoint/2010/main" xmlns:p15="http://schemas.microsoft.com/office/powerpoint/2012/main" xmlns:ahyp="http://schemas.microsoft.com/office/drawing/2018/hyperlinkcolor" showMasterPhAnim="0" showMasterSp="0">
   <p:cSld>
     <p:spTree>
       <p:nvGrpSpPr>
-        <p:cNvPr id="85" name="Shape 85"/>
+        <p:cNvPr id="80" name="Shape 80"/>
         <p:cNvGrpSpPr/>
         <p:nvPr/>
       </p:nvGrpSpPr>
@@ -1313,7 +1315,7 @@
       </p:grpSpPr>
       <p:sp>
         <p:nvSpPr>
-          <p:cNvPr id="86" name="Google Shape;86;g12180be0f17_0_29:notes"/>
+          <p:cNvPr id="81" name="Google Shape;81;g123aefd3aff_1_6:notes"/>
           <p:cNvSpPr/>
           <p:nvPr>
             <p:ph idx="2" type="sldImg"/>
@@ -1348,7 +1350,7 @@
       </p:sp>
       <p:sp>
         <p:nvSpPr>
-          <p:cNvPr id="87" name="Google Shape;87;g12180be0f17_0_29:notes"/>
+          <p:cNvPr id="82" name="Google Shape;82;g123aefd3aff_1_6:notes"/>
           <p:cNvSpPr txBox="1"/>
           <p:nvPr>
             <p:ph idx="1" type="body"/>
@@ -1393,12 +1395,12 @@
 </p:notes>
 </file>
 
-<file path=ppt/notesSlides/notesSlide8.xml><?xml version="1.0" encoding="utf-8"?>
+<file path=ppt/notesSlides/notesSlide7.xml><?xml version="1.0" encoding="utf-8"?>
 <p:notes xmlns:a="http://schemas.openxmlformats.org/drawingml/2006/main" xmlns:r="http://schemas.openxmlformats.org/officeDocument/2006/relationships" xmlns:mc="http://schemas.openxmlformats.org/markup-compatibility/2006" xmlns:mv="urn:schemas-microsoft-com:mac:vml" xmlns:p="http://schemas.openxmlformats.org/presentationml/2006/main" xmlns:c="http://schemas.openxmlformats.org/drawingml/2006/chart" xmlns:dgm="http://schemas.openxmlformats.org/drawingml/2006/diagram" xmlns:o="urn:schemas-microsoft-com:office:office" xmlns:v="urn:schemas-microsoft-com:vml" xmlns:pvml="urn:schemas-microsoft-com:office:powerpoint" xmlns:com="http://schemas.openxmlformats.org/drawingml/2006/compatibility" xmlns:p14="http://schemas.microsoft.com/office/powerpoint/2010/main" xmlns:p15="http://schemas.microsoft.com/office/powerpoint/2012/main" xmlns:ahyp="http://schemas.microsoft.com/office/drawing/2018/hyperlinkcolor" showMasterPhAnim="0" showMasterSp="0">
   <p:cSld>
     <p:spTree>
       <p:nvGrpSpPr>
-        <p:cNvPr id="90" name="Shape 90"/>
+        <p:cNvPr id="86" name="Shape 86"/>
         <p:cNvGrpSpPr/>
         <p:nvPr/>
       </p:nvGrpSpPr>
@@ -1412,7 +1414,7 @@
       </p:grpSpPr>
       <p:sp>
         <p:nvSpPr>
-          <p:cNvPr id="91" name="Google Shape;91;g12180be0f17_0_20:notes"/>
+          <p:cNvPr id="87" name="Google Shape;87;g12180be0f17_0_29:notes"/>
           <p:cNvSpPr/>
           <p:nvPr>
             <p:ph idx="2" type="sldImg"/>
@@ -1447,7 +1449,205 @@
       </p:sp>
       <p:sp>
         <p:nvSpPr>
-          <p:cNvPr id="92" name="Google Shape;92;g12180be0f17_0_20:notes"/>
+          <p:cNvPr id="88" name="Google Shape;88;g12180be0f17_0_29:notes"/>
+          <p:cNvSpPr txBox="1"/>
+          <p:nvPr>
+            <p:ph idx="1" type="body"/>
+          </p:nvPr>
+        </p:nvSpPr>
+        <p:spPr>
+          <a:xfrm>
+            <a:off x="685800" y="4343400"/>
+            <a:ext cx="5486400" cy="4114800"/>
+          </a:xfrm>
+          <a:prstGeom prst="rect">
+            <a:avLst/>
+          </a:prstGeom>
+        </p:spPr>
+        <p:txBody>
+          <a:bodyPr anchorCtr="0" anchor="t" bIns="91425" lIns="91425" spcFirstLastPara="1" rIns="91425" wrap="square" tIns="91425">
+            <a:noAutofit/>
+          </a:bodyPr>
+          <a:lstStyle/>
+          <a:p>
+            <a:pPr indent="0" lvl="0" marL="0" rtl="0" algn="l">
+              <a:spcBef>
+                <a:spcPts val="0"/>
+              </a:spcBef>
+              <a:spcAft>
+                <a:spcPts val="0"/>
+              </a:spcAft>
+              <a:buNone/>
+            </a:pPr>
+            <a:r>
+              <a:t/>
+            </a:r>
+            <a:endParaRPr/>
+          </a:p>
+        </p:txBody>
+      </p:sp>
+    </p:spTree>
+  </p:cSld>
+  <p:clrMapOvr>
+    <a:masterClrMapping/>
+  </p:clrMapOvr>
+</p:notes>
+</file>
+
+<file path=ppt/notesSlides/notesSlide8.xml><?xml version="1.0" encoding="utf-8"?>
+<p:notes xmlns:a="http://schemas.openxmlformats.org/drawingml/2006/main" xmlns:r="http://schemas.openxmlformats.org/officeDocument/2006/relationships" xmlns:mc="http://schemas.openxmlformats.org/markup-compatibility/2006" xmlns:mv="urn:schemas-microsoft-com:mac:vml" xmlns:p="http://schemas.openxmlformats.org/presentationml/2006/main" xmlns:c="http://schemas.openxmlformats.org/drawingml/2006/chart" xmlns:dgm="http://schemas.openxmlformats.org/drawingml/2006/diagram" xmlns:o="urn:schemas-microsoft-com:office:office" xmlns:v="urn:schemas-microsoft-com:vml" xmlns:pvml="urn:schemas-microsoft-com:office:powerpoint" xmlns:com="http://schemas.openxmlformats.org/drawingml/2006/compatibility" xmlns:p14="http://schemas.microsoft.com/office/powerpoint/2010/main" xmlns:p15="http://schemas.microsoft.com/office/powerpoint/2012/main" xmlns:ahyp="http://schemas.microsoft.com/office/drawing/2018/hyperlinkcolor" showMasterPhAnim="0" showMasterSp="0">
+  <p:cSld>
+    <p:spTree>
+      <p:nvGrpSpPr>
+        <p:cNvPr id="91" name="Shape 91"/>
+        <p:cNvGrpSpPr/>
+        <p:nvPr/>
+      </p:nvGrpSpPr>
+      <p:grpSpPr>
+        <a:xfrm>
+          <a:off x="0" y="0"/>
+          <a:ext cx="0" cy="0"/>
+          <a:chOff x="0" y="0"/>
+          <a:chExt cx="0" cy="0"/>
+        </a:xfrm>
+      </p:grpSpPr>
+      <p:sp>
+        <p:nvSpPr>
+          <p:cNvPr id="92" name="Google Shape;92;g12e0aab3f8e_0_0:notes"/>
+          <p:cNvSpPr/>
+          <p:nvPr>
+            <p:ph idx="2" type="sldImg"/>
+          </p:nvPr>
+        </p:nvSpPr>
+        <p:spPr>
+          <a:xfrm>
+            <a:off x="381300" y="685800"/>
+            <a:ext cx="6096000" cy="3429000"/>
+          </a:xfrm>
+          <a:custGeom>
+            <a:rect b="b" l="l" r="r" t="t"/>
+            <a:pathLst>
+              <a:path extrusionOk="0" h="120000" w="120000">
+                <a:moveTo>
+                  <a:pt x="0" y="0"/>
+                </a:moveTo>
+                <a:lnTo>
+                  <a:pt x="120000" y="0"/>
+                </a:lnTo>
+                <a:lnTo>
+                  <a:pt x="120000" y="120000"/>
+                </a:lnTo>
+                <a:lnTo>
+                  <a:pt x="0" y="120000"/>
+                </a:lnTo>
+                <a:close/>
+              </a:path>
+            </a:pathLst>
+          </a:custGeom>
+        </p:spPr>
+      </p:sp>
+      <p:sp>
+        <p:nvSpPr>
+          <p:cNvPr id="93" name="Google Shape;93;g12e0aab3f8e_0_0:notes"/>
+          <p:cNvSpPr txBox="1"/>
+          <p:nvPr>
+            <p:ph idx="1" type="body"/>
+          </p:nvPr>
+        </p:nvSpPr>
+        <p:spPr>
+          <a:xfrm>
+            <a:off x="685800" y="4343400"/>
+            <a:ext cx="5486400" cy="4114800"/>
+          </a:xfrm>
+          <a:prstGeom prst="rect">
+            <a:avLst/>
+          </a:prstGeom>
+        </p:spPr>
+        <p:txBody>
+          <a:bodyPr anchorCtr="0" anchor="t" bIns="91425" lIns="91425" spcFirstLastPara="1" rIns="91425" wrap="square" tIns="91425">
+            <a:noAutofit/>
+          </a:bodyPr>
+          <a:lstStyle/>
+          <a:p>
+            <a:pPr indent="0" lvl="0" marL="0" rtl="0" algn="l">
+              <a:spcBef>
+                <a:spcPts val="0"/>
+              </a:spcBef>
+              <a:spcAft>
+                <a:spcPts val="0"/>
+              </a:spcAft>
+              <a:buNone/>
+            </a:pPr>
+            <a:r>
+              <a:t/>
+            </a:r>
+            <a:endParaRPr/>
+          </a:p>
+        </p:txBody>
+      </p:sp>
+    </p:spTree>
+  </p:cSld>
+  <p:clrMapOvr>
+    <a:masterClrMapping/>
+  </p:clrMapOvr>
+</p:notes>
+</file>
+
+<file path=ppt/notesSlides/notesSlide9.xml><?xml version="1.0" encoding="utf-8"?>
+<p:notes xmlns:a="http://schemas.openxmlformats.org/drawingml/2006/main" xmlns:r="http://schemas.openxmlformats.org/officeDocument/2006/relationships" xmlns:mc="http://schemas.openxmlformats.org/markup-compatibility/2006" xmlns:mv="urn:schemas-microsoft-com:mac:vml" xmlns:p="http://schemas.openxmlformats.org/presentationml/2006/main" xmlns:c="http://schemas.openxmlformats.org/drawingml/2006/chart" xmlns:dgm="http://schemas.openxmlformats.org/drawingml/2006/diagram" xmlns:o="urn:schemas-microsoft-com:office:office" xmlns:v="urn:schemas-microsoft-com:vml" xmlns:pvml="urn:schemas-microsoft-com:office:powerpoint" xmlns:com="http://schemas.openxmlformats.org/drawingml/2006/compatibility" xmlns:p14="http://schemas.microsoft.com/office/powerpoint/2010/main" xmlns:p15="http://schemas.microsoft.com/office/powerpoint/2012/main" xmlns:ahyp="http://schemas.microsoft.com/office/drawing/2018/hyperlinkcolor" showMasterPhAnim="0" showMasterSp="0">
+  <p:cSld>
+    <p:spTree>
+      <p:nvGrpSpPr>
+        <p:cNvPr id="97" name="Shape 97"/>
+        <p:cNvGrpSpPr/>
+        <p:nvPr/>
+      </p:nvGrpSpPr>
+      <p:grpSpPr>
+        <a:xfrm>
+          <a:off x="0" y="0"/>
+          <a:ext cx="0" cy="0"/>
+          <a:chOff x="0" y="0"/>
+          <a:chExt cx="0" cy="0"/>
+        </a:xfrm>
+      </p:grpSpPr>
+      <p:sp>
+        <p:nvSpPr>
+          <p:cNvPr id="98" name="Google Shape;98;g1306b277e63_0_0:notes"/>
+          <p:cNvSpPr/>
+          <p:nvPr>
+            <p:ph idx="2" type="sldImg"/>
+          </p:nvPr>
+        </p:nvSpPr>
+        <p:spPr>
+          <a:xfrm>
+            <a:off x="381300" y="685800"/>
+            <a:ext cx="6096000" cy="3429000"/>
+          </a:xfrm>
+          <a:custGeom>
+            <a:rect b="b" l="l" r="r" t="t"/>
+            <a:pathLst>
+              <a:path extrusionOk="0" h="120000" w="120000">
+                <a:moveTo>
+                  <a:pt x="0" y="0"/>
+                </a:moveTo>
+                <a:lnTo>
+                  <a:pt x="120000" y="0"/>
+                </a:lnTo>
+                <a:lnTo>
+                  <a:pt x="120000" y="120000"/>
+                </a:lnTo>
+                <a:lnTo>
+                  <a:pt x="0" y="120000"/>
+                </a:lnTo>
+                <a:close/>
+              </a:path>
+            </a:pathLst>
+          </a:custGeom>
+        </p:spPr>
+      </p:sp>
+      <p:sp>
+        <p:nvSpPr>
+          <p:cNvPr id="99" name="Google Shape;99;g1306b277e63_0_0:notes"/>
           <p:cNvSpPr txBox="1"/>
           <p:nvPr>
             <p:ph idx="1" type="body"/>
@@ -6208,6 +6408,46 @@
           </a:p>
         </p:txBody>
       </p:sp>
+      <p:sp>
+        <p:nvSpPr>
+          <p:cNvPr id="55" name="Google Shape;55;p13"/>
+          <p:cNvSpPr txBox="1"/>
+          <p:nvPr>
+            <p:ph idx="1" type="subTitle"/>
+          </p:nvPr>
+        </p:nvSpPr>
+        <p:spPr>
+          <a:xfrm>
+            <a:off x="311700" y="2834125"/>
+            <a:ext cx="8520600" cy="792600"/>
+          </a:xfrm>
+          <a:prstGeom prst="rect">
+            <a:avLst/>
+          </a:prstGeom>
+        </p:spPr>
+        <p:txBody>
+          <a:bodyPr anchorCtr="0" anchor="t" bIns="91425" lIns="91425" spcFirstLastPara="1" rIns="91425" wrap="square" tIns="91425">
+            <a:normAutofit/>
+          </a:bodyPr>
+          <a:lstStyle/>
+          <a:p>
+            <a:pPr indent="0" lvl="0" marL="0" rtl="0" algn="ctr">
+              <a:spcBef>
+                <a:spcPts val="0"/>
+              </a:spcBef>
+              <a:spcAft>
+                <a:spcPts val="0"/>
+              </a:spcAft>
+              <a:buNone/>
+            </a:pPr>
+            <a:r>
+              <a:rPr lang="en-GB"/>
+              <a:t>Dr. Domhnall Carlin, QUB</a:t>
+            </a:r>
+            <a:endParaRPr/>
+          </a:p>
+        </p:txBody>
+      </p:sp>
     </p:spTree>
   </p:cSld>
   <p:clrMapOvr>
@@ -6216,12 +6456,12 @@
 </p:sld>
 </file>
 
-<file path=ppt/slides/slide2.xml><?xml version="1.0" encoding="utf-8"?>
+<file path=ppt/slides/slide10.xml><?xml version="1.0" encoding="utf-8"?>
 <p:sld xmlns:a="http://schemas.openxmlformats.org/drawingml/2006/main" xmlns:r="http://schemas.openxmlformats.org/officeDocument/2006/relationships" xmlns:mc="http://schemas.openxmlformats.org/markup-compatibility/2006" xmlns:mv="urn:schemas-microsoft-com:mac:vml" xmlns:p="http://schemas.openxmlformats.org/presentationml/2006/main" xmlns:c="http://schemas.openxmlformats.org/drawingml/2006/chart" xmlns:dgm="http://schemas.openxmlformats.org/drawingml/2006/diagram" xmlns:o="urn:schemas-microsoft-com:office:office" xmlns:v="urn:schemas-microsoft-com:vml" xmlns:pvml="urn:schemas-microsoft-com:office:powerpoint" xmlns:com="http://schemas.openxmlformats.org/drawingml/2006/compatibility" xmlns:p14="http://schemas.microsoft.com/office/powerpoint/2010/main" xmlns:p15="http://schemas.microsoft.com/office/powerpoint/2012/main" xmlns:ahyp="http://schemas.microsoft.com/office/drawing/2018/hyperlinkcolor">
   <p:cSld>
     <p:spTree>
       <p:nvGrpSpPr>
-        <p:cNvPr id="58" name="Shape 58"/>
+        <p:cNvPr id="105" name="Shape 105"/>
         <p:cNvGrpSpPr/>
         <p:nvPr/>
       </p:nvGrpSpPr>
@@ -6235,7 +6475,7 @@
       </p:grpSpPr>
       <p:sp>
         <p:nvSpPr>
-          <p:cNvPr id="59" name="Google Shape;59;p14"/>
+          <p:cNvPr id="106" name="Google Shape;106;p22"/>
           <p:cNvSpPr txBox="1"/>
           <p:nvPr>
             <p:ph type="title"/>
@@ -6266,6 +6506,338 @@
               <a:buNone/>
             </a:pPr>
             <a:r>
+              <a:rPr lang="en-GB">
+                <a:latin typeface="Amatic SC"/>
+                <a:ea typeface="Amatic SC"/>
+                <a:cs typeface="Amatic SC"/>
+                <a:sym typeface="Amatic SC"/>
+              </a:rPr>
+              <a:t>Toolchest</a:t>
+            </a:r>
+            <a:endParaRPr>
+              <a:latin typeface="Amatic SC"/>
+              <a:ea typeface="Amatic SC"/>
+              <a:cs typeface="Amatic SC"/>
+              <a:sym typeface="Amatic SC"/>
+            </a:endParaRPr>
+          </a:p>
+        </p:txBody>
+      </p:sp>
+      <p:sp>
+        <p:nvSpPr>
+          <p:cNvPr id="107" name="Google Shape;107;p22"/>
+          <p:cNvSpPr txBox="1"/>
+          <p:nvPr>
+            <p:ph idx="1" type="body"/>
+          </p:nvPr>
+        </p:nvSpPr>
+        <p:spPr>
+          <a:xfrm>
+            <a:off x="311700" y="1152475"/>
+            <a:ext cx="8520600" cy="3416400"/>
+          </a:xfrm>
+          <a:prstGeom prst="rect">
+            <a:avLst/>
+          </a:prstGeom>
+        </p:spPr>
+        <p:txBody>
+          <a:bodyPr anchorCtr="0" anchor="t" bIns="91425" lIns="91425" spcFirstLastPara="1" rIns="91425" wrap="square" tIns="91425">
+            <a:normAutofit fontScale="77500" lnSpcReduction="20000"/>
+          </a:bodyPr>
+          <a:lstStyle/>
+          <a:p>
+            <a:pPr indent="0" lvl="0" marL="0" rtl="0" algn="l">
+              <a:spcBef>
+                <a:spcPts val="0"/>
+              </a:spcBef>
+              <a:spcAft>
+                <a:spcPts val="0"/>
+              </a:spcAft>
+              <a:buNone/>
+            </a:pPr>
+            <a:r>
+              <a:rPr lang="en-GB" sz="1900"/>
+              <a:t>Google code formatter: </a:t>
+            </a:r>
+            <a:r>
+              <a:rPr lang="en-GB" sz="1900" u="sng">
+                <a:solidFill>
+                  <a:schemeClr val="hlink"/>
+                </a:solidFill>
+                <a:hlinkClick r:id="rId3"/>
+              </a:rPr>
+              <a:t>https://github.com/google/yapf/</a:t>
+            </a:r>
+            <a:endParaRPr sz="1900"/>
+          </a:p>
+          <a:p>
+            <a:pPr indent="0" lvl="0" marL="0" rtl="0" algn="l">
+              <a:spcBef>
+                <a:spcPts val="1200"/>
+              </a:spcBef>
+              <a:spcAft>
+                <a:spcPts val="0"/>
+              </a:spcAft>
+              <a:buNone/>
+            </a:pPr>
+            <a:r>
+              <a:rPr lang="en-GB" sz="1900"/>
+              <a:t>Python style guide (PEP8): </a:t>
+            </a:r>
+            <a:r>
+              <a:rPr lang="en-GB" sz="1900" u="sng">
+                <a:solidFill>
+                  <a:schemeClr val="hlink"/>
+                </a:solidFill>
+                <a:hlinkClick r:id="rId4"/>
+              </a:rPr>
+              <a:t>https://www.python.org/dev/peps/pep-0008</a:t>
+            </a:r>
+            <a:endParaRPr sz="1900"/>
+          </a:p>
+          <a:p>
+            <a:pPr indent="0" lvl="0" marL="0" rtl="0" algn="l">
+              <a:spcBef>
+                <a:spcPts val="1200"/>
+              </a:spcBef>
+              <a:spcAft>
+                <a:spcPts val="0"/>
+              </a:spcAft>
+              <a:buNone/>
+            </a:pPr>
+            <a:r>
+              <a:rPr lang="en-GB" sz="1900"/>
+              <a:t>Pycodestyle: </a:t>
+            </a:r>
+            <a:r>
+              <a:rPr lang="en-GB" sz="1900" u="sng">
+                <a:solidFill>
+                  <a:schemeClr val="hlink"/>
+                </a:solidFill>
+                <a:hlinkClick r:id="rId5"/>
+              </a:rPr>
+              <a:t>https://pypi.org/project/pycodestyle/</a:t>
+            </a:r>
+            <a:endParaRPr sz="1900"/>
+          </a:p>
+          <a:p>
+            <a:pPr indent="0" lvl="0" marL="0" rtl="0" algn="l">
+              <a:spcBef>
+                <a:spcPts val="1200"/>
+              </a:spcBef>
+              <a:spcAft>
+                <a:spcPts val="0"/>
+              </a:spcAft>
+              <a:buNone/>
+            </a:pPr>
+            <a:r>
+              <a:rPr lang="en-GB" sz="1900"/>
+              <a:t>Black (highly opinionated code formatter): </a:t>
+            </a:r>
+            <a:r>
+              <a:rPr lang="en-GB" sz="1900" u="sng">
+                <a:solidFill>
+                  <a:schemeClr val="hlink"/>
+                </a:solidFill>
+                <a:hlinkClick r:id="rId6"/>
+              </a:rPr>
+              <a:t>https://black.readthedocs.io/en/latest/</a:t>
+            </a:r>
+            <a:endParaRPr sz="1900"/>
+          </a:p>
+          <a:p>
+            <a:pPr indent="0" lvl="0" marL="0" rtl="0" algn="l">
+              <a:spcBef>
+                <a:spcPts val="1200"/>
+              </a:spcBef>
+              <a:spcAft>
+                <a:spcPts val="0"/>
+              </a:spcAft>
+              <a:buClr>
+                <a:schemeClr val="dk1"/>
+              </a:buClr>
+              <a:buSzPct val="57894"/>
+              <a:buFont typeface="Arial"/>
+              <a:buNone/>
+            </a:pPr>
+            <a:r>
+              <a:rPr lang="en-GB" sz="1900">
+                <a:solidFill>
+                  <a:schemeClr val="dk1"/>
+                </a:solidFill>
+              </a:rPr>
+              <a:t>Fowler, M. (2018). </a:t>
+            </a:r>
+            <a:r>
+              <a:rPr i="1" lang="en-GB" sz="1900">
+                <a:solidFill>
+                  <a:schemeClr val="dk1"/>
+                </a:solidFill>
+              </a:rPr>
+              <a:t>Refactoring: Improving the Design of Existing Code. [electronic resource].</a:t>
+            </a:r>
+            <a:r>
+              <a:rPr lang="en-GB" sz="1900">
+                <a:solidFill>
+                  <a:schemeClr val="dk1"/>
+                </a:solidFill>
+              </a:rPr>
+              <a:t>. Addison-Wesley Professional.  (available in QUB library)</a:t>
+            </a:r>
+            <a:endParaRPr sz="1900">
+              <a:solidFill>
+                <a:schemeClr val="dk1"/>
+              </a:solidFill>
+            </a:endParaRPr>
+          </a:p>
+          <a:p>
+            <a:pPr indent="0" lvl="0" marL="0" rtl="0" algn="l">
+              <a:spcBef>
+                <a:spcPts val="1200"/>
+              </a:spcBef>
+              <a:spcAft>
+                <a:spcPts val="0"/>
+              </a:spcAft>
+              <a:buClr>
+                <a:schemeClr val="dk1"/>
+              </a:buClr>
+              <a:buSzPct val="100000"/>
+              <a:buFont typeface="Arial"/>
+              <a:buNone/>
+            </a:pPr>
+            <a:r>
+              <a:t/>
+            </a:r>
+            <a:endParaRPr sz="1100">
+              <a:solidFill>
+                <a:schemeClr val="dk1"/>
+              </a:solidFill>
+            </a:endParaRPr>
+          </a:p>
+          <a:p>
+            <a:pPr indent="0" lvl="0" marL="0" rtl="0" algn="l">
+              <a:spcBef>
+                <a:spcPts val="1200"/>
+              </a:spcBef>
+              <a:spcAft>
+                <a:spcPts val="0"/>
+              </a:spcAft>
+              <a:buClr>
+                <a:schemeClr val="dk1"/>
+              </a:buClr>
+              <a:buSzPct val="100000"/>
+              <a:buFont typeface="Arial"/>
+              <a:buNone/>
+            </a:pPr>
+            <a:r>
+              <a:t/>
+            </a:r>
+            <a:endParaRPr sz="1100">
+              <a:solidFill>
+                <a:schemeClr val="dk1"/>
+              </a:solidFill>
+            </a:endParaRPr>
+          </a:p>
+          <a:p>
+            <a:pPr indent="0" lvl="0" marL="0" rtl="0" algn="l">
+              <a:spcBef>
+                <a:spcPts val="1200"/>
+              </a:spcBef>
+              <a:spcAft>
+                <a:spcPts val="0"/>
+              </a:spcAft>
+              <a:buNone/>
+            </a:pPr>
+            <a:r>
+              <a:t/>
+            </a:r>
+            <a:endParaRPr>
+              <a:latin typeface="Amatic SC"/>
+              <a:ea typeface="Amatic SC"/>
+              <a:cs typeface="Amatic SC"/>
+              <a:sym typeface="Amatic SC"/>
+            </a:endParaRPr>
+          </a:p>
+          <a:p>
+            <a:pPr indent="0" lvl="0" marL="0" rtl="0" algn="l">
+              <a:spcBef>
+                <a:spcPts val="1200"/>
+              </a:spcBef>
+              <a:spcAft>
+                <a:spcPts val="1200"/>
+              </a:spcAft>
+              <a:buNone/>
+            </a:pPr>
+            <a:r>
+              <a:t/>
+            </a:r>
+            <a:endParaRPr>
+              <a:latin typeface="Amatic SC"/>
+              <a:ea typeface="Amatic SC"/>
+              <a:cs typeface="Amatic SC"/>
+              <a:sym typeface="Amatic SC"/>
+            </a:endParaRPr>
+          </a:p>
+        </p:txBody>
+      </p:sp>
+    </p:spTree>
+  </p:cSld>
+  <p:clrMapOvr>
+    <a:masterClrMapping/>
+  </p:clrMapOvr>
+</p:sld>
+</file>
+
+<file path=ppt/slides/slide2.xml><?xml version="1.0" encoding="utf-8"?>
+<p:sld xmlns:a="http://schemas.openxmlformats.org/drawingml/2006/main" xmlns:r="http://schemas.openxmlformats.org/officeDocument/2006/relationships" xmlns:mc="http://schemas.openxmlformats.org/markup-compatibility/2006" xmlns:mv="urn:schemas-microsoft-com:mac:vml" xmlns:p="http://schemas.openxmlformats.org/presentationml/2006/main" xmlns:c="http://schemas.openxmlformats.org/drawingml/2006/chart" xmlns:dgm="http://schemas.openxmlformats.org/drawingml/2006/diagram" xmlns:o="urn:schemas-microsoft-com:office:office" xmlns:v="urn:schemas-microsoft-com:vml" xmlns:pvml="urn:schemas-microsoft-com:office:powerpoint" xmlns:com="http://schemas.openxmlformats.org/drawingml/2006/compatibility" xmlns:p14="http://schemas.microsoft.com/office/powerpoint/2010/main" xmlns:p15="http://schemas.microsoft.com/office/powerpoint/2012/main" xmlns:ahyp="http://schemas.microsoft.com/office/drawing/2018/hyperlinkcolor">
+  <p:cSld>
+    <p:spTree>
+      <p:nvGrpSpPr>
+        <p:cNvPr id="59" name="Shape 59"/>
+        <p:cNvGrpSpPr/>
+        <p:nvPr/>
+      </p:nvGrpSpPr>
+      <p:grpSpPr>
+        <a:xfrm>
+          <a:off x="0" y="0"/>
+          <a:ext cx="0" cy="0"/>
+          <a:chOff x="0" y="0"/>
+          <a:chExt cx="0" cy="0"/>
+        </a:xfrm>
+      </p:grpSpPr>
+      <p:sp>
+        <p:nvSpPr>
+          <p:cNvPr id="60" name="Google Shape;60;p14"/>
+          <p:cNvSpPr txBox="1"/>
+          <p:nvPr>
+            <p:ph type="title"/>
+          </p:nvPr>
+        </p:nvSpPr>
+        <p:spPr>
+          <a:xfrm>
+            <a:off x="311700" y="445025"/>
+            <a:ext cx="8520600" cy="572700"/>
+          </a:xfrm>
+          <a:prstGeom prst="rect">
+            <a:avLst/>
+          </a:prstGeom>
+        </p:spPr>
+        <p:txBody>
+          <a:bodyPr anchorCtr="0" anchor="t" bIns="91425" lIns="91425" spcFirstLastPara="1" rIns="91425" wrap="square" tIns="91425">
+            <a:normAutofit fontScale="90000"/>
+          </a:bodyPr>
+          <a:lstStyle/>
+          <a:p>
+            <a:pPr indent="0" lvl="0" marL="0" rtl="0" algn="l">
+              <a:spcBef>
+                <a:spcPts val="0"/>
+              </a:spcBef>
+              <a:spcAft>
+                <a:spcPts val="0"/>
+              </a:spcAft>
+              <a:buNone/>
+            </a:pPr>
+            <a:r>
               <a:rPr b="1" lang="en-GB">
                 <a:latin typeface="Amatic SC"/>
                 <a:ea typeface="Amatic SC"/>
@@ -6285,7 +6857,7 @@
       </p:sp>
       <p:sp>
         <p:nvSpPr>
-          <p:cNvPr id="60" name="Google Shape;60;p14"/>
+          <p:cNvPr id="61" name="Google Shape;61;p14"/>
           <p:cNvSpPr txBox="1"/>
           <p:nvPr>
             <p:ph idx="1" type="body"/>
@@ -6684,7 +7256,7 @@
   <p:cSld>
     <p:spTree>
       <p:nvGrpSpPr>
-        <p:cNvPr id="64" name="Shape 64"/>
+        <p:cNvPr id="65" name="Shape 65"/>
         <p:cNvGrpSpPr/>
         <p:nvPr/>
       </p:nvGrpSpPr>
@@ -6698,7 +7270,7 @@
       </p:grpSpPr>
       <p:sp>
         <p:nvSpPr>
-          <p:cNvPr id="65" name="Google Shape;65;p15"/>
+          <p:cNvPr id="66" name="Google Shape;66;p15"/>
           <p:cNvSpPr txBox="1"/>
           <p:nvPr>
             <p:ph type="title"/>
@@ -6748,7 +7320,7 @@
       </p:sp>
       <p:sp>
         <p:nvSpPr>
-          <p:cNvPr id="66" name="Google Shape;66;p15"/>
+          <p:cNvPr id="67" name="Google Shape;67;p15"/>
           <p:cNvSpPr txBox="1"/>
           <p:nvPr>
             <p:ph idx="2" type="body"/>
@@ -7010,7 +7582,7 @@
   <p:cSld>
     <p:spTree>
       <p:nvGrpSpPr>
-        <p:cNvPr id="70" name="Shape 70"/>
+        <p:cNvPr id="71" name="Shape 71"/>
         <p:cNvGrpSpPr/>
         <p:nvPr/>
       </p:nvGrpSpPr>
@@ -7024,7 +7596,7 @@
       </p:grpSpPr>
       <p:sp>
         <p:nvSpPr>
-          <p:cNvPr id="71" name="Google Shape;71;p16"/>
+          <p:cNvPr id="72" name="Google Shape;72;p16"/>
           <p:cNvSpPr txBox="1"/>
           <p:nvPr>
             <p:ph type="title"/>
@@ -7074,7 +7646,7 @@
       </p:sp>
       <p:sp>
         <p:nvSpPr>
-          <p:cNvPr id="72" name="Google Shape;72;p16"/>
+          <p:cNvPr id="73" name="Google Shape;73;p16"/>
           <p:cNvSpPr txBox="1"/>
           <p:nvPr>
             <p:ph idx="1" type="body"/>
@@ -7265,7 +7837,7 @@
                                           </p:stCondLst>
                                         </p:cTn>
                                         <p:tgtEl>
-                                          <p:spTgt spid="72">
+                                          <p:spTgt spid="73">
                                             <p:txEl>
                                               <p:pRg end="0" st="0"/>
                                             </p:txEl>
@@ -7314,7 +7886,7 @@
                                           </p:stCondLst>
                                         </p:cTn>
                                         <p:tgtEl>
-                                          <p:spTgt spid="72">
+                                          <p:spTgt spid="73">
                                             <p:txEl>
                                               <p:pRg end="1" st="1"/>
                                             </p:txEl>
@@ -7363,7 +7935,7 @@
                                           </p:stCondLst>
                                         </p:cTn>
                                         <p:tgtEl>
-                                          <p:spTgt spid="72">
+                                          <p:spTgt spid="73">
                                             <p:txEl>
                                               <p:pRg end="2" st="2"/>
                                             </p:txEl>
@@ -7412,7 +7984,7 @@
                                           </p:stCondLst>
                                         </p:cTn>
                                         <p:tgtEl>
-                                          <p:spTgt spid="72">
+                                          <p:spTgt spid="73">
                                             <p:txEl>
                                               <p:pRg end="3" st="3"/>
                                             </p:txEl>
@@ -7461,7 +8033,7 @@
                                           </p:stCondLst>
                                         </p:cTn>
                                         <p:tgtEl>
-                                          <p:spTgt spid="72">
+                                          <p:spTgt spid="73">
                                             <p:txEl>
                                               <p:pRg end="4" st="4"/>
                                             </p:txEl>
@@ -7514,7 +8086,7 @@
   <p:cSld>
     <p:spTree>
       <p:nvGrpSpPr>
-        <p:cNvPr id="76" name="Shape 76"/>
+        <p:cNvPr id="77" name="Shape 77"/>
         <p:cNvGrpSpPr/>
         <p:nvPr/>
       </p:nvGrpSpPr>
@@ -7528,7 +8100,7 @@
       </p:grpSpPr>
       <p:pic>
         <p:nvPicPr>
-          <p:cNvPr id="77" name="Google Shape;77;p17"/>
+          <p:cNvPr id="78" name="Google Shape;78;p17"/>
           <p:cNvPicPr preferRelativeResize="0"/>
           <p:nvPr/>
         </p:nvPicPr>
@@ -7556,7 +8128,7 @@
       </p:pic>
       <p:sp>
         <p:nvSpPr>
-          <p:cNvPr id="78" name="Google Shape;78;p17"/>
+          <p:cNvPr id="79" name="Google Shape;79;p17"/>
           <p:cNvSpPr txBox="1"/>
           <p:nvPr/>
         </p:nvSpPr>
@@ -7619,7 +8191,7 @@
   <p:cSld>
     <p:spTree>
       <p:nvGrpSpPr>
-        <p:cNvPr id="82" name="Shape 82"/>
+        <p:cNvPr id="83" name="Shape 83"/>
         <p:cNvGrpSpPr/>
         <p:nvPr/>
       </p:nvGrpSpPr>
@@ -7633,7 +8205,7 @@
       </p:grpSpPr>
       <p:pic>
         <p:nvPicPr>
-          <p:cNvPr id="83" name="Google Shape;83;p18"/>
+          <p:cNvPr id="84" name="Google Shape;84;p18"/>
           <p:cNvPicPr preferRelativeResize="0"/>
           <p:nvPr/>
         </p:nvPicPr>
@@ -7661,7 +8233,7 @@
       </p:pic>
       <p:sp>
         <p:nvSpPr>
-          <p:cNvPr id="84" name="Google Shape;84;p18"/>
+          <p:cNvPr id="85" name="Google Shape;85;p18"/>
           <p:cNvSpPr txBox="1"/>
           <p:nvPr/>
         </p:nvSpPr>
@@ -7724,7 +8296,7 @@
   <p:cSld>
     <p:spTree>
       <p:nvGrpSpPr>
-        <p:cNvPr id="88" name="Shape 88"/>
+        <p:cNvPr id="89" name="Shape 89"/>
         <p:cNvGrpSpPr/>
         <p:nvPr/>
       </p:nvGrpSpPr>
@@ -7738,7 +8310,7 @@
       </p:grpSpPr>
       <p:sp>
         <p:nvSpPr>
-          <p:cNvPr id="89" name="Google Shape;89;p19"/>
+          <p:cNvPr id="90" name="Google Shape;90;p19"/>
           <p:cNvSpPr txBox="1"/>
           <p:nvPr>
             <p:ph idx="1" type="body"/>
@@ -7990,7 +8562,7 @@
   <p:cSld>
     <p:spTree>
       <p:nvGrpSpPr>
-        <p:cNvPr id="93" name="Shape 93"/>
+        <p:cNvPr id="94" name="Shape 94"/>
         <p:cNvGrpSpPr/>
         <p:nvPr/>
       </p:nvGrpSpPr>
@@ -8004,56 +8576,6 @@
       </p:grpSpPr>
       <p:sp>
         <p:nvSpPr>
-          <p:cNvPr id="94" name="Google Shape;94;p20"/>
-          <p:cNvSpPr txBox="1"/>
-          <p:nvPr>
-            <p:ph type="title"/>
-          </p:nvPr>
-        </p:nvSpPr>
-        <p:spPr>
-          <a:xfrm>
-            <a:off x="311700" y="445025"/>
-            <a:ext cx="8520600" cy="572700"/>
-          </a:xfrm>
-          <a:prstGeom prst="rect">
-            <a:avLst/>
-          </a:prstGeom>
-        </p:spPr>
-        <p:txBody>
-          <a:bodyPr anchorCtr="0" anchor="t" bIns="91425" lIns="91425" spcFirstLastPara="1" rIns="91425" wrap="square" tIns="91425">
-            <a:normAutofit fontScale="90000"/>
-          </a:bodyPr>
-          <a:lstStyle/>
-          <a:p>
-            <a:pPr indent="0" lvl="0" marL="0" rtl="0" algn="l">
-              <a:spcBef>
-                <a:spcPts val="0"/>
-              </a:spcBef>
-              <a:spcAft>
-                <a:spcPts val="0"/>
-              </a:spcAft>
-              <a:buNone/>
-            </a:pPr>
-            <a:r>
-              <a:rPr lang="en-GB">
-                <a:latin typeface="Amatic SC"/>
-                <a:ea typeface="Amatic SC"/>
-                <a:cs typeface="Amatic SC"/>
-                <a:sym typeface="Amatic SC"/>
-              </a:rPr>
-              <a:t>Toolchest</a:t>
-            </a:r>
-            <a:endParaRPr>
-              <a:latin typeface="Amatic SC"/>
-              <a:ea typeface="Amatic SC"/>
-              <a:cs typeface="Amatic SC"/>
-              <a:sym typeface="Amatic SC"/>
-            </a:endParaRPr>
-          </a:p>
-        </p:txBody>
-      </p:sp>
-      <p:sp>
-        <p:nvSpPr>
           <p:cNvPr id="95" name="Google Shape;95;p20"/>
           <p:cNvSpPr txBox="1"/>
           <p:nvPr>
@@ -8062,8 +8584,8 @@
         </p:nvSpPr>
         <p:spPr>
           <a:xfrm>
-            <a:off x="311700" y="1152475"/>
-            <a:ext cx="8520600" cy="3416400"/>
+            <a:off x="90875" y="25650"/>
+            <a:ext cx="8448900" cy="398400"/>
           </a:xfrm>
           <a:prstGeom prst="rect">
             <a:avLst/>
@@ -8071,7 +8593,7 @@
         </p:spPr>
         <p:txBody>
           <a:bodyPr anchorCtr="0" anchor="t" bIns="91425" lIns="91425" spcFirstLastPara="1" rIns="91425" wrap="square" tIns="91425">
-            <a:normAutofit/>
+            <a:normAutofit fontScale="25000" lnSpcReduction="20000"/>
           </a:bodyPr>
           <a:lstStyle/>
           <a:p>
@@ -8085,150 +8607,15 @@
               <a:buNone/>
             </a:pPr>
             <a:r>
-              <a:rPr lang="en-GB">
-                <a:latin typeface="Amatic SC"/>
-                <a:ea typeface="Amatic SC"/>
-                <a:cs typeface="Amatic SC"/>
-                <a:sym typeface="Amatic SC"/>
-              </a:rPr>
-              <a:t>Google code formatter: </a:t>
-            </a:r>
-            <a:r>
-              <a:rPr lang="en-GB" u="sng">
+              <a:rPr lang="en-GB" sz="5000" u="sng">
                 <a:solidFill>
                   <a:schemeClr val="hlink"/>
                 </a:solidFill>
-                <a:latin typeface="Amatic SC"/>
-                <a:ea typeface="Amatic SC"/>
-                <a:cs typeface="Amatic SC"/>
-                <a:sym typeface="Amatic SC"/>
                 <a:hlinkClick r:id="rId3"/>
               </a:rPr>
-              <a:t>https://github.com/google/yapf/</a:t>
+              <a:t>https://github.com/navdeep-G/samplemod</a:t>
             </a:r>
-            <a:endParaRPr>
-              <a:latin typeface="Amatic SC"/>
-              <a:ea typeface="Amatic SC"/>
-              <a:cs typeface="Amatic SC"/>
-              <a:sym typeface="Amatic SC"/>
-            </a:endParaRPr>
-          </a:p>
-          <a:p>
-            <a:pPr indent="0" lvl="0" marL="0" rtl="0" algn="l">
-              <a:spcBef>
-                <a:spcPts val="1200"/>
-              </a:spcBef>
-              <a:spcAft>
-                <a:spcPts val="0"/>
-              </a:spcAft>
-              <a:buNone/>
-            </a:pPr>
-            <a:r>
-              <a:rPr lang="en-GB">
-                <a:latin typeface="Amatic SC"/>
-                <a:ea typeface="Amatic SC"/>
-                <a:cs typeface="Amatic SC"/>
-                <a:sym typeface="Amatic SC"/>
-              </a:rPr>
-              <a:t>Python style guide (PEP8): </a:t>
-            </a:r>
-            <a:r>
-              <a:rPr lang="en-GB" u="sng">
-                <a:solidFill>
-                  <a:schemeClr val="hlink"/>
-                </a:solidFill>
-                <a:latin typeface="Amatic SC"/>
-                <a:ea typeface="Amatic SC"/>
-                <a:cs typeface="Amatic SC"/>
-                <a:sym typeface="Amatic SC"/>
-                <a:hlinkClick r:id="rId4"/>
-              </a:rPr>
-              <a:t>https://www.python.org/dev/peps/pep-0008</a:t>
-            </a:r>
-            <a:endParaRPr>
-              <a:latin typeface="Amatic SC"/>
-              <a:ea typeface="Amatic SC"/>
-              <a:cs typeface="Amatic SC"/>
-              <a:sym typeface="Amatic SC"/>
-            </a:endParaRPr>
-          </a:p>
-          <a:p>
-            <a:pPr indent="0" lvl="0" marL="0" rtl="0" algn="l">
-              <a:spcBef>
-                <a:spcPts val="1200"/>
-              </a:spcBef>
-              <a:spcAft>
-                <a:spcPts val="0"/>
-              </a:spcAft>
-              <a:buNone/>
-            </a:pPr>
-            <a:r>
-              <a:rPr lang="en-GB">
-                <a:latin typeface="Amatic SC"/>
-                <a:ea typeface="Amatic SC"/>
-                <a:cs typeface="Amatic SC"/>
-                <a:sym typeface="Amatic SC"/>
-              </a:rPr>
-              <a:t>Pycodestyle: </a:t>
-            </a:r>
-            <a:r>
-              <a:rPr lang="en-GB" u="sng">
-                <a:solidFill>
-                  <a:schemeClr val="hlink"/>
-                </a:solidFill>
-                <a:latin typeface="Amatic SC"/>
-                <a:ea typeface="Amatic SC"/>
-                <a:cs typeface="Amatic SC"/>
-                <a:sym typeface="Amatic SC"/>
-                <a:hlinkClick r:id="rId5"/>
-              </a:rPr>
-              <a:t>https://pypi.org/project/pycodestyle/</a:t>
-            </a:r>
-            <a:endParaRPr>
-              <a:latin typeface="Amatic SC"/>
-              <a:ea typeface="Amatic SC"/>
-              <a:cs typeface="Amatic SC"/>
-              <a:sym typeface="Amatic SC"/>
-            </a:endParaRPr>
-          </a:p>
-          <a:p>
-            <a:pPr indent="0" lvl="0" marL="0" rtl="0" algn="l">
-              <a:spcBef>
-                <a:spcPts val="1200"/>
-              </a:spcBef>
-              <a:spcAft>
-                <a:spcPts val="0"/>
-              </a:spcAft>
-              <a:buNone/>
-            </a:pPr>
-            <a:r>
-              <a:rPr lang="en-GB">
-                <a:latin typeface="Amatic SC"/>
-                <a:ea typeface="Amatic SC"/>
-                <a:cs typeface="Amatic SC"/>
-                <a:sym typeface="Amatic SC"/>
-              </a:rPr>
-              <a:t>Black (highly opinionated code formatter): </a:t>
-            </a:r>
-            <a:r>
-              <a:rPr lang="en-GB" u="sng">
-                <a:solidFill>
-                  <a:schemeClr val="hlink"/>
-                </a:solidFill>
-                <a:latin typeface="Amatic SC"/>
-                <a:ea typeface="Amatic SC"/>
-                <a:cs typeface="Amatic SC"/>
-                <a:sym typeface="Amatic SC"/>
-                <a:hlinkClick r:id="rId6"/>
-              </a:rPr>
-              <a:t>https://black.readthedocs.io/en/latest/</a:t>
-            </a:r>
-            <a:endParaRPr>
-              <a:latin typeface="Amatic SC"/>
-              <a:ea typeface="Amatic SC"/>
-              <a:cs typeface="Amatic SC"/>
-              <a:sym typeface="Amatic SC"/>
-            </a:endParaRPr>
+            <a:endParaRPr sz="5000"/>
           </a:p>
           <a:p>
             <a:pPr indent="0" lvl="0" marL="0" rtl="0" algn="l">
@@ -8243,12 +8630,371 @@
             <a:r>
               <a:t/>
             </a:r>
-            <a:endParaRPr>
-              <a:latin typeface="Amatic SC"/>
-              <a:ea typeface="Amatic SC"/>
-              <a:cs typeface="Amatic SC"/>
-              <a:sym typeface="Amatic SC"/>
-            </a:endParaRPr>
+            <a:endParaRPr/>
+          </a:p>
+        </p:txBody>
+      </p:sp>
+      <p:pic>
+        <p:nvPicPr>
+          <p:cNvPr id="96" name="Google Shape;96;p20"/>
+          <p:cNvPicPr preferRelativeResize="0"/>
+          <p:nvPr/>
+        </p:nvPicPr>
+        <p:blipFill>
+          <a:blip r:embed="rId4">
+            <a:alphaModFix/>
+          </a:blip>
+          <a:stretch>
+            <a:fillRect/>
+          </a:stretch>
+        </p:blipFill>
+        <p:spPr>
+          <a:xfrm>
+            <a:off x="158513" y="672288"/>
+            <a:ext cx="8601075" cy="4295775"/>
+          </a:xfrm>
+          <a:prstGeom prst="rect">
+            <a:avLst/>
+          </a:prstGeom>
+          <a:noFill/>
+          <a:ln>
+            <a:noFill/>
+          </a:ln>
+        </p:spPr>
+      </p:pic>
+    </p:spTree>
+  </p:cSld>
+  <p:clrMapOvr>
+    <a:masterClrMapping/>
+  </p:clrMapOvr>
+</p:sld>
+</file>
+
+<file path=ppt/slides/slide9.xml><?xml version="1.0" encoding="utf-8"?>
+<p:sld xmlns:a="http://schemas.openxmlformats.org/drawingml/2006/main" xmlns:r="http://schemas.openxmlformats.org/officeDocument/2006/relationships" xmlns:mc="http://schemas.openxmlformats.org/markup-compatibility/2006" xmlns:mv="urn:schemas-microsoft-com:mac:vml" xmlns:p="http://schemas.openxmlformats.org/presentationml/2006/main" xmlns:c="http://schemas.openxmlformats.org/drawingml/2006/chart" xmlns:dgm="http://schemas.openxmlformats.org/drawingml/2006/diagram" xmlns:o="urn:schemas-microsoft-com:office:office" xmlns:v="urn:schemas-microsoft-com:vml" xmlns:pvml="urn:schemas-microsoft-com:office:powerpoint" xmlns:com="http://schemas.openxmlformats.org/drawingml/2006/compatibility" xmlns:p14="http://schemas.microsoft.com/office/powerpoint/2010/main" xmlns:p15="http://schemas.microsoft.com/office/powerpoint/2012/main" xmlns:ahyp="http://schemas.microsoft.com/office/drawing/2018/hyperlinkcolor">
+  <p:cSld>
+    <p:spTree>
+      <p:nvGrpSpPr>
+        <p:cNvPr id="100" name="Shape 100"/>
+        <p:cNvGrpSpPr/>
+        <p:nvPr/>
+      </p:nvGrpSpPr>
+      <p:grpSpPr>
+        <a:xfrm>
+          <a:off x="0" y="0"/>
+          <a:ext cx="0" cy="0"/>
+          <a:chOff x="0" y="0"/>
+          <a:chExt cx="0" cy="0"/>
+        </a:xfrm>
+      </p:grpSpPr>
+      <p:sp>
+        <p:nvSpPr>
+          <p:cNvPr id="101" name="Google Shape;101;p21"/>
+          <p:cNvSpPr txBox="1"/>
+          <p:nvPr/>
+        </p:nvSpPr>
+        <p:spPr>
+          <a:xfrm>
+            <a:off x="986875" y="65350"/>
+            <a:ext cx="3000000" cy="5110200"/>
+          </a:xfrm>
+          <a:prstGeom prst="rect">
+            <a:avLst/>
+          </a:prstGeom>
+          <a:noFill/>
+          <a:ln>
+            <a:noFill/>
+          </a:ln>
+        </p:spPr>
+        <p:txBody>
+          <a:bodyPr anchorCtr="0" anchor="t" bIns="91425" lIns="91425" spcFirstLastPara="1" rIns="91425" wrap="square" tIns="91425">
+            <a:spAutoFit/>
+          </a:bodyPr>
+          <a:lstStyle/>
+          <a:p>
+            <a:pPr indent="0" lvl="0" marL="0" rtl="0" algn="l">
+              <a:lnSpc>
+                <a:spcPct val="100000"/>
+              </a:lnSpc>
+              <a:spcBef>
+                <a:spcPts val="1200"/>
+              </a:spcBef>
+              <a:spcAft>
+                <a:spcPts val="0"/>
+              </a:spcAft>
+              <a:buNone/>
+            </a:pPr>
+            <a:r>
+              <a:rPr lang="en-GB" sz="1200"/>
+              <a:t>|-- CITATION</a:t>
+            </a:r>
+            <a:endParaRPr sz="1200"/>
+          </a:p>
+          <a:p>
+            <a:pPr indent="0" lvl="0" marL="0" rtl="0" algn="l">
+              <a:lnSpc>
+                <a:spcPct val="100000"/>
+              </a:lnSpc>
+              <a:spcBef>
+                <a:spcPts val="1200"/>
+              </a:spcBef>
+              <a:spcAft>
+                <a:spcPts val="0"/>
+              </a:spcAft>
+              <a:buNone/>
+            </a:pPr>
+            <a:r>
+              <a:rPr lang="en-GB" sz="1200"/>
+              <a:t>|-- README</a:t>
+            </a:r>
+            <a:endParaRPr sz="1200"/>
+          </a:p>
+          <a:p>
+            <a:pPr indent="0" lvl="0" marL="0" rtl="0" algn="l">
+              <a:lnSpc>
+                <a:spcPct val="100000"/>
+              </a:lnSpc>
+              <a:spcBef>
+                <a:spcPts val="1200"/>
+              </a:spcBef>
+              <a:spcAft>
+                <a:spcPts val="0"/>
+              </a:spcAft>
+              <a:buNone/>
+            </a:pPr>
+            <a:r>
+              <a:rPr lang="en-GB" sz="1200"/>
+              <a:t>|-- LICENSE</a:t>
+            </a:r>
+            <a:endParaRPr sz="1200"/>
+          </a:p>
+          <a:p>
+            <a:pPr indent="0" lvl="0" marL="0" rtl="0" algn="l">
+              <a:lnSpc>
+                <a:spcPct val="100000"/>
+              </a:lnSpc>
+              <a:spcBef>
+                <a:spcPts val="1200"/>
+              </a:spcBef>
+              <a:spcAft>
+                <a:spcPts val="0"/>
+              </a:spcAft>
+              <a:buNone/>
+            </a:pPr>
+            <a:r>
+              <a:rPr lang="en-GB" sz="1200"/>
+              <a:t>|-- requirements.txt</a:t>
+            </a:r>
+            <a:endParaRPr sz="1200"/>
+          </a:p>
+          <a:p>
+            <a:pPr indent="0" lvl="0" marL="0" rtl="0" algn="l">
+              <a:lnSpc>
+                <a:spcPct val="100000"/>
+              </a:lnSpc>
+              <a:spcBef>
+                <a:spcPts val="1200"/>
+              </a:spcBef>
+              <a:spcAft>
+                <a:spcPts val="0"/>
+              </a:spcAft>
+              <a:buNone/>
+            </a:pPr>
+            <a:r>
+              <a:rPr lang="en-GB" sz="1200"/>
+              <a:t>|-- data</a:t>
+            </a:r>
+            <a:endParaRPr sz="1200"/>
+          </a:p>
+          <a:p>
+            <a:pPr indent="0" lvl="0" marL="0" rtl="0" algn="l">
+              <a:lnSpc>
+                <a:spcPct val="100000"/>
+              </a:lnSpc>
+              <a:spcBef>
+                <a:spcPts val="1200"/>
+              </a:spcBef>
+              <a:spcAft>
+                <a:spcPts val="0"/>
+              </a:spcAft>
+              <a:buNone/>
+            </a:pPr>
+            <a:r>
+              <a:rPr lang="en-GB" sz="1200"/>
+              <a:t>|  |-- birds_count_table.csv</a:t>
+            </a:r>
+            <a:endParaRPr sz="1200"/>
+          </a:p>
+          <a:p>
+            <a:pPr indent="0" lvl="0" marL="0" rtl="0" algn="l">
+              <a:lnSpc>
+                <a:spcPct val="100000"/>
+              </a:lnSpc>
+              <a:spcBef>
+                <a:spcPts val="1200"/>
+              </a:spcBef>
+              <a:spcAft>
+                <a:spcPts val="0"/>
+              </a:spcAft>
+              <a:buNone/>
+            </a:pPr>
+            <a:r>
+              <a:rPr lang="en-GB" sz="1200"/>
+              <a:t>|-- doc</a:t>
+            </a:r>
+            <a:endParaRPr sz="1200"/>
+          </a:p>
+          <a:p>
+            <a:pPr indent="0" lvl="0" marL="0" rtl="0" algn="l">
+              <a:lnSpc>
+                <a:spcPct val="100000"/>
+              </a:lnSpc>
+              <a:spcBef>
+                <a:spcPts val="1200"/>
+              </a:spcBef>
+              <a:spcAft>
+                <a:spcPts val="0"/>
+              </a:spcAft>
+              <a:buNone/>
+            </a:pPr>
+            <a:r>
+              <a:rPr lang="en-GB" sz="1200"/>
+              <a:t>|  |-- notebook.md</a:t>
+            </a:r>
+            <a:endParaRPr sz="1200"/>
+          </a:p>
+          <a:p>
+            <a:pPr indent="0" lvl="0" marL="0" rtl="0" algn="l">
+              <a:lnSpc>
+                <a:spcPct val="100000"/>
+              </a:lnSpc>
+              <a:spcBef>
+                <a:spcPts val="1200"/>
+              </a:spcBef>
+              <a:spcAft>
+                <a:spcPts val="0"/>
+              </a:spcAft>
+              <a:buNone/>
+            </a:pPr>
+            <a:r>
+              <a:rPr lang="en-GB" sz="1200"/>
+              <a:t>|  |-- manuscript.md</a:t>
+            </a:r>
+            <a:endParaRPr sz="1200"/>
+          </a:p>
+          <a:p>
+            <a:pPr indent="0" lvl="0" marL="0" rtl="0" algn="l">
+              <a:lnSpc>
+                <a:spcPct val="100000"/>
+              </a:lnSpc>
+              <a:spcBef>
+                <a:spcPts val="1200"/>
+              </a:spcBef>
+              <a:spcAft>
+                <a:spcPts val="0"/>
+              </a:spcAft>
+              <a:buNone/>
+            </a:pPr>
+            <a:r>
+              <a:rPr lang="en-GB" sz="1200"/>
+              <a:t>|  |-- changelog.txt</a:t>
+            </a:r>
+            <a:endParaRPr sz="1200"/>
+          </a:p>
+          <a:p>
+            <a:pPr indent="0" lvl="0" marL="0" rtl="0" algn="l">
+              <a:lnSpc>
+                <a:spcPct val="100000"/>
+              </a:lnSpc>
+              <a:spcBef>
+                <a:spcPts val="1200"/>
+              </a:spcBef>
+              <a:spcAft>
+                <a:spcPts val="0"/>
+              </a:spcAft>
+              <a:buNone/>
+            </a:pPr>
+            <a:r>
+              <a:rPr lang="en-GB" sz="1200"/>
+              <a:t>|-- results</a:t>
+            </a:r>
+            <a:endParaRPr sz="1200"/>
+          </a:p>
+          <a:p>
+            <a:pPr indent="0" lvl="0" marL="0" rtl="0" algn="l">
+              <a:lnSpc>
+                <a:spcPct val="100000"/>
+              </a:lnSpc>
+              <a:spcBef>
+                <a:spcPts val="1200"/>
+              </a:spcBef>
+              <a:spcAft>
+                <a:spcPts val="0"/>
+              </a:spcAft>
+              <a:buNone/>
+            </a:pPr>
+            <a:r>
+              <a:rPr lang="en-GB" sz="1200"/>
+              <a:t>|  |-- summarized_results.csv</a:t>
+            </a:r>
+            <a:endParaRPr sz="1200"/>
+          </a:p>
+          <a:p>
+            <a:pPr indent="0" lvl="0" marL="0" rtl="0" algn="l">
+              <a:lnSpc>
+                <a:spcPct val="100000"/>
+              </a:lnSpc>
+              <a:spcBef>
+                <a:spcPts val="1200"/>
+              </a:spcBef>
+              <a:spcAft>
+                <a:spcPts val="0"/>
+              </a:spcAft>
+              <a:buNone/>
+            </a:pPr>
+            <a:r>
+              <a:rPr lang="en-GB" sz="1200"/>
+              <a:t>|-- src</a:t>
+            </a:r>
+            <a:endParaRPr sz="1200"/>
+          </a:p>
+          <a:p>
+            <a:pPr indent="0" lvl="0" marL="0" rtl="0" algn="l">
+              <a:lnSpc>
+                <a:spcPct val="100000"/>
+              </a:lnSpc>
+              <a:spcBef>
+                <a:spcPts val="1200"/>
+              </a:spcBef>
+              <a:spcAft>
+                <a:spcPts val="0"/>
+              </a:spcAft>
+              <a:buNone/>
+            </a:pPr>
+            <a:r>
+              <a:rPr lang="en-GB" sz="1200"/>
+              <a:t>|  |-- sightings_analysis.py</a:t>
+            </a:r>
+            <a:endParaRPr sz="1200"/>
+          </a:p>
+          <a:p>
+            <a:pPr indent="0" lvl="0" marL="0" rtl="0" algn="l">
+              <a:lnSpc>
+                <a:spcPct val="100000"/>
+              </a:lnSpc>
+              <a:spcBef>
+                <a:spcPts val="1200"/>
+              </a:spcBef>
+              <a:spcAft>
+                <a:spcPts val="1200"/>
+              </a:spcAft>
+              <a:buNone/>
+            </a:pPr>
+            <a:r>
+              <a:rPr lang="en-GB" sz="1200"/>
+              <a:t>|  |-- runall.py</a:t>
+            </a:r>
+            <a:endParaRPr sz="1200"/>
           </a:p>
         </p:txBody>
       </p:sp>
@@ -8261,6 +9007,285 @@
 </file>
 
 <file path=ppt/theme/theme1.xml><?xml version="1.0" encoding="utf-8"?>
+<a:theme xmlns:a="http://schemas.openxmlformats.org/drawingml/2006/main" xmlns:r="http://schemas.openxmlformats.org/officeDocument/2006/relationships">
+  <a:themeElements>
+    <a:clrScheme name="Default">
+      <a:dk1>
+        <a:srgbClr val="000000"/>
+      </a:dk1>
+      <a:lt1>
+        <a:srgbClr val="FFFFFF"/>
+      </a:lt1>
+      <a:dk2>
+        <a:srgbClr val="158158"/>
+      </a:dk2>
+      <a:lt2>
+        <a:srgbClr val="F3F3F3"/>
+      </a:lt2>
+      <a:accent1>
+        <a:srgbClr val="058DC7"/>
+      </a:accent1>
+      <a:accent2>
+        <a:srgbClr val="50B432"/>
+      </a:accent2>
+      <a:accent3>
+        <a:srgbClr val="ED561B"/>
+      </a:accent3>
+      <a:accent4>
+        <a:srgbClr val="EDEF00"/>
+      </a:accent4>
+      <a:accent5>
+        <a:srgbClr val="24CBE5"/>
+      </a:accent5>
+      <a:accent6>
+        <a:srgbClr val="64E572"/>
+      </a:accent6>
+      <a:hlink>
+        <a:srgbClr val="2200CC"/>
+      </a:hlink>
+      <a:folHlink>
+        <a:srgbClr val="551A8B"/>
+      </a:folHlink>
+    </a:clrScheme>
+    <a:fontScheme name="Office">
+      <a:majorFont>
+        <a:latin typeface="Arial"/>
+        <a:ea typeface=""/>
+        <a:cs typeface=""/>
+        <a:font script="Jpan" typeface="ＭＳ Ｐゴシック"/>
+        <a:font script="Hang" typeface="맑은 고딕"/>
+        <a:font script="Hans" typeface="宋体"/>
+        <a:font script="Hant" typeface="新細明體"/>
+        <a:font script="Arab" typeface="Times New Roman"/>
+        <a:font script="Hebr" typeface="Times New Roman"/>
+        <a:font script="Thai" typeface="Angsana New"/>
+        <a:font script="Ethi" typeface="Nyala"/>
+        <a:font script="Beng" typeface="Vrinda"/>
+        <a:font script="Gujr" typeface="Shruti"/>
+        <a:font script="Khmr" typeface="MoolBoran"/>
+        <a:font script="Knda" typeface="Tunga"/>
+        <a:font script="Guru" typeface="Raavi"/>
+        <a:font script="Cans" typeface="Euphemia"/>
+        <a:font script="Cher" typeface="Plantagenet Cherokee"/>
+        <a:font script="Yiii" typeface="Microsoft Yi Baiti"/>
+        <a:font script="Tibt" typeface="Microsoft Himalaya"/>
+        <a:font script="Thaa" typeface="MV Boli"/>
+        <a:font script="Deva" typeface="Mangal"/>
+        <a:font script="Telu" typeface="Gautami"/>
+        <a:font script="Taml" typeface="Latha"/>
+        <a:font script="Syrc" typeface="Estrangelo Edessa"/>
+        <a:font script="Orya" typeface="Kalinga"/>
+        <a:font script="Mlym" typeface="Kartika"/>
+        <a:font script="Laoo" typeface="DokChampa"/>
+        <a:font script="Sinh" typeface="Iskoola Pota"/>
+        <a:font script="Mong" typeface="Mongolian Baiti"/>
+        <a:font script="Viet" typeface="Times New Roman"/>
+        <a:font script="Uigh" typeface="Microsoft Uighur"/>
+        <a:font script="Geor" typeface="Sylfaen"/>
+      </a:majorFont>
+      <a:minorFont>
+        <a:latin typeface="Arial"/>
+        <a:ea typeface=""/>
+        <a:cs typeface=""/>
+        <a:font script="Jpan" typeface="ＭＳ Ｐゴシック"/>
+        <a:font script="Hang" typeface="맑은 고딕"/>
+        <a:font script="Hans" typeface="宋体"/>
+        <a:font script="Hant" typeface="新細明體"/>
+        <a:font script="Arab" typeface="Arial"/>
+        <a:font script="Hebr" typeface="Arial"/>
+        <a:font script="Thai" typeface="Cordia New"/>
+        <a:font script="Ethi" typeface="Nyala"/>
+        <a:font script="Beng" typeface="Vrinda"/>
+        <a:font script="Gujr" typeface="Shruti"/>
+        <a:font script="Khmr" typeface="DaunPenh"/>
+        <a:font script="Knda" typeface="Tunga"/>
+        <a:font script="Guru" typeface="Raavi"/>
+        <a:font script="Cans" typeface="Euphemia"/>
+        <a:font script="Cher" typeface="Plantagenet Cherokee"/>
+        <a:font script="Yiii" typeface="Microsoft Yi Baiti"/>
+        <a:font script="Tibt" typeface="Microsoft Himalaya"/>
+        <a:font script="Thaa" typeface="MV Boli"/>
+        <a:font script="Deva" typeface="Mangal"/>
+        <a:font script="Telu" typeface="Gautami"/>
+        <a:font script="Taml" typeface="Latha"/>
+        <a:font script="Syrc" typeface="Estrangelo Edessa"/>
+        <a:font script="Orya" typeface="Kalinga"/>
+        <a:font script="Mlym" typeface="Kartika"/>
+        <a:font script="Laoo" typeface="DokChampa"/>
+        <a:font script="Sinh" typeface="Iskoola Pota"/>
+        <a:font script="Mong" typeface="Mongolian Baiti"/>
+        <a:font script="Viet" typeface="Arial"/>
+        <a:font script="Uigh" typeface="Microsoft Uighur"/>
+        <a:font script="Geor" typeface="Sylfaen"/>
+      </a:minorFont>
+    </a:fontScheme>
+    <a:fmtScheme name="Office">
+      <a:fillStyleLst>
+        <a:solidFill>
+          <a:schemeClr val="phClr"/>
+        </a:solidFill>
+        <a:gradFill rotWithShape="1">
+          <a:gsLst>
+            <a:gs pos="0">
+              <a:schemeClr val="phClr">
+                <a:tint val="50000"/>
+                <a:satMod val="300000"/>
+              </a:schemeClr>
+            </a:gs>
+            <a:gs pos="35000">
+              <a:schemeClr val="phClr">
+                <a:tint val="37000"/>
+                <a:satMod val="300000"/>
+              </a:schemeClr>
+            </a:gs>
+            <a:gs pos="100000">
+              <a:schemeClr val="phClr">
+                <a:tint val="15000"/>
+                <a:satMod val="350000"/>
+              </a:schemeClr>
+            </a:gs>
+          </a:gsLst>
+          <a:lin ang="16200000" scaled="1"/>
+        </a:gradFill>
+        <a:gradFill rotWithShape="1">
+          <a:gsLst>
+            <a:gs pos="0">
+              <a:schemeClr val="phClr">
+                <a:tint val="100000"/>
+                <a:shade val="100000"/>
+                <a:satMod val="130000"/>
+              </a:schemeClr>
+            </a:gs>
+            <a:gs pos="100000">
+              <a:schemeClr val="phClr">
+                <a:tint val="50000"/>
+                <a:shade val="100000"/>
+                <a:satMod val="350000"/>
+              </a:schemeClr>
+            </a:gs>
+          </a:gsLst>
+          <a:lin ang="16200000" scaled="0"/>
+        </a:gradFill>
+      </a:fillStyleLst>
+      <a:lnStyleLst>
+        <a:ln w="9525" cap="flat" cmpd="sng" algn="ctr">
+          <a:solidFill>
+            <a:schemeClr val="phClr">
+              <a:shade val="95000"/>
+              <a:satMod val="105000"/>
+            </a:schemeClr>
+          </a:solidFill>
+          <a:prstDash val="solid"/>
+        </a:ln>
+        <a:ln w="25400" cap="flat" cmpd="sng" algn="ctr">
+          <a:solidFill>
+            <a:schemeClr val="phClr"/>
+          </a:solidFill>
+          <a:prstDash val="solid"/>
+        </a:ln>
+        <a:ln w="38100" cap="flat" cmpd="sng" algn="ctr">
+          <a:solidFill>
+            <a:schemeClr val="phClr"/>
+          </a:solidFill>
+          <a:prstDash val="solid"/>
+        </a:ln>
+      </a:lnStyleLst>
+      <a:effectStyleLst>
+        <a:effectStyle>
+          <a:effectLst>
+            <a:outerShdw blurRad="40000" dist="20000" dir="5400000" rotWithShape="0">
+              <a:srgbClr val="000000">
+                <a:alpha val="38000"/>
+              </a:srgbClr>
+            </a:outerShdw>
+          </a:effectLst>
+        </a:effectStyle>
+        <a:effectStyle>
+          <a:effectLst>
+            <a:outerShdw blurRad="40000" dist="23000" dir="5400000" rotWithShape="0">
+              <a:srgbClr val="000000">
+                <a:alpha val="35000"/>
+              </a:srgbClr>
+            </a:outerShdw>
+          </a:effectLst>
+        </a:effectStyle>
+        <a:effectStyle>
+          <a:effectLst>
+            <a:outerShdw blurRad="40000" dist="23000" dir="5400000" rotWithShape="0">
+              <a:srgbClr val="000000">
+                <a:alpha val="35000"/>
+              </a:srgbClr>
+            </a:outerShdw>
+          </a:effectLst>
+          <a:scene3d>
+            <a:camera prst="orthographicFront">
+              <a:rot lat="0" lon="0" rev="0"/>
+            </a:camera>
+            <a:lightRig rig="threePt" dir="t">
+              <a:rot lat="0" lon="0" rev="1200000"/>
+            </a:lightRig>
+          </a:scene3d>
+          <a:sp3d>
+            <a:bevelT w="63500" h="25400"/>
+          </a:sp3d>
+        </a:effectStyle>
+      </a:effectStyleLst>
+      <a:bgFillStyleLst>
+        <a:solidFill>
+          <a:schemeClr val="phClr"/>
+        </a:solidFill>
+        <a:gradFill rotWithShape="1">
+          <a:gsLst>
+            <a:gs pos="0">
+              <a:schemeClr val="phClr">
+                <a:tint val="40000"/>
+                <a:satMod val="350000"/>
+              </a:schemeClr>
+            </a:gs>
+            <a:gs pos="40000">
+              <a:schemeClr val="phClr">
+                <a:tint val="45000"/>
+                <a:shade val="99000"/>
+                <a:satMod val="350000"/>
+              </a:schemeClr>
+            </a:gs>
+            <a:gs pos="100000">
+              <a:schemeClr val="phClr">
+                <a:shade val="20000"/>
+                <a:satMod val="255000"/>
+              </a:schemeClr>
+            </a:gs>
+          </a:gsLst>
+          <a:path path="circle">
+            <a:fillToRect l="50000" t="-80000" r="50000" b="180000"/>
+          </a:path>
+        </a:gradFill>
+        <a:gradFill rotWithShape="1">
+          <a:gsLst>
+            <a:gs pos="0">
+              <a:schemeClr val="phClr">
+                <a:tint val="80000"/>
+                <a:satMod val="300000"/>
+              </a:schemeClr>
+            </a:gs>
+            <a:gs pos="100000">
+              <a:schemeClr val="phClr">
+                <a:shade val="30000"/>
+                <a:satMod val="200000"/>
+              </a:schemeClr>
+            </a:gs>
+          </a:gsLst>
+          <a:path path="circle">
+            <a:fillToRect l="50000" t="50000" r="50000" b="50000"/>
+          </a:path>
+        </a:gradFill>
+      </a:bgFillStyleLst>
+    </a:fmtScheme>
+  </a:themeElements>
+</a:theme>
+</file>
+
+<file path=ppt/theme/theme2.xml><?xml version="1.0" encoding="utf-8"?>
 <a:theme xmlns:a="http://schemas.openxmlformats.org/drawingml/2006/main" xmlns:r="http://schemas.openxmlformats.org/officeDocument/2006/relationships" name="Simple Light">
   <a:themeElements>
     <a:clrScheme name="Simple Light">
@@ -8537,283 +9562,4 @@
     </a:fmtScheme>
   </a:themeElements>
 </a:theme>
-</file>
-
-<file path=ppt/theme/theme2.xml><?xml version="1.0" encoding="utf-8"?>
-<a:theme xmlns:a="http://schemas.openxmlformats.org/drawingml/2006/main" xmlns:r="http://schemas.openxmlformats.org/officeDocument/2006/relationships">
-  <a:themeElements>
-    <a:clrScheme name="Default">
-      <a:dk1>
-        <a:srgbClr val="000000"/>
-      </a:dk1>
-      <a:lt1>
-        <a:srgbClr val="FFFFFF"/>
-      </a:lt1>
-      <a:dk2>
-        <a:srgbClr val="158158"/>
-      </a:dk2>
-      <a:lt2>
-        <a:srgbClr val="F3F3F3"/>
-      </a:lt2>
-      <a:accent1>
-        <a:srgbClr val="058DC7"/>
-      </a:accent1>
-      <a:accent2>
-        <a:srgbClr val="50B432"/>
-      </a:accent2>
-      <a:accent3>
-        <a:srgbClr val="ED561B"/>
-      </a:accent3>
-      <a:accent4>
-        <a:srgbClr val="EDEF00"/>
-      </a:accent4>
-      <a:accent5>
-        <a:srgbClr val="24CBE5"/>
-      </a:accent5>
-      <a:accent6>
-        <a:srgbClr val="64E572"/>
-      </a:accent6>
-      <a:hlink>
-        <a:srgbClr val="2200CC"/>
-      </a:hlink>
-      <a:folHlink>
-        <a:srgbClr val="551A8B"/>
-      </a:folHlink>
-    </a:clrScheme>
-    <a:fontScheme name="Office">
-      <a:majorFont>
-        <a:latin typeface="Arial"/>
-        <a:ea typeface=""/>
-        <a:cs typeface=""/>
-        <a:font script="Jpan" typeface="ＭＳ Ｐゴシック"/>
-        <a:font script="Hang" typeface="맑은 고딕"/>
-        <a:font script="Hans" typeface="宋体"/>
-        <a:font script="Hant" typeface="新細明體"/>
-        <a:font script="Arab" typeface="Times New Roman"/>
-        <a:font script="Hebr" typeface="Times New Roman"/>
-        <a:font script="Thai" typeface="Angsana New"/>
-        <a:font script="Ethi" typeface="Nyala"/>
-        <a:font script="Beng" typeface="Vrinda"/>
-        <a:font script="Gujr" typeface="Shruti"/>
-        <a:font script="Khmr" typeface="MoolBoran"/>
-        <a:font script="Knda" typeface="Tunga"/>
-        <a:font script="Guru" typeface="Raavi"/>
-        <a:font script="Cans" typeface="Euphemia"/>
-        <a:font script="Cher" typeface="Plantagenet Cherokee"/>
-        <a:font script="Yiii" typeface="Microsoft Yi Baiti"/>
-        <a:font script="Tibt" typeface="Microsoft Himalaya"/>
-        <a:font script="Thaa" typeface="MV Boli"/>
-        <a:font script="Deva" typeface="Mangal"/>
-        <a:font script="Telu" typeface="Gautami"/>
-        <a:font script="Taml" typeface="Latha"/>
-        <a:font script="Syrc" typeface="Estrangelo Edessa"/>
-        <a:font script="Orya" typeface="Kalinga"/>
-        <a:font script="Mlym" typeface="Kartika"/>
-        <a:font script="Laoo" typeface="DokChampa"/>
-        <a:font script="Sinh" typeface="Iskoola Pota"/>
-        <a:font script="Mong" typeface="Mongolian Baiti"/>
-        <a:font script="Viet" typeface="Times New Roman"/>
-        <a:font script="Uigh" typeface="Microsoft Uighur"/>
-        <a:font script="Geor" typeface="Sylfaen"/>
-      </a:majorFont>
-      <a:minorFont>
-        <a:latin typeface="Arial"/>
-        <a:ea typeface=""/>
-        <a:cs typeface=""/>
-        <a:font script="Jpan" typeface="ＭＳ Ｐゴシック"/>
-        <a:font script="Hang" typeface="맑은 고딕"/>
-        <a:font script="Hans" typeface="宋体"/>
-        <a:font script="Hant" typeface="新細明體"/>
-        <a:font script="Arab" typeface="Arial"/>
-        <a:font script="Hebr" typeface="Arial"/>
-        <a:font script="Thai" typeface="Cordia New"/>
-        <a:font script="Ethi" typeface="Nyala"/>
-        <a:font script="Beng" typeface="Vrinda"/>
-        <a:font script="Gujr" typeface="Shruti"/>
-        <a:font script="Khmr" typeface="DaunPenh"/>
-        <a:font script="Knda" typeface="Tunga"/>
-        <a:font script="Guru" typeface="Raavi"/>
-        <a:font script="Cans" typeface="Euphemia"/>
-        <a:font script="Cher" typeface="Plantagenet Cherokee"/>
-        <a:font script="Yiii" typeface="Microsoft Yi Baiti"/>
-        <a:font script="Tibt" typeface="Microsoft Himalaya"/>
-        <a:font script="Thaa" typeface="MV Boli"/>
-        <a:font script="Deva" typeface="Mangal"/>
-        <a:font script="Telu" typeface="Gautami"/>
-        <a:font script="Taml" typeface="Latha"/>
-        <a:font script="Syrc" typeface="Estrangelo Edessa"/>
-        <a:font script="Orya" typeface="Kalinga"/>
-        <a:font script="Mlym" typeface="Kartika"/>
-        <a:font script="Laoo" typeface="DokChampa"/>
-        <a:font script="Sinh" typeface="Iskoola Pota"/>
-        <a:font script="Mong" typeface="Mongolian Baiti"/>
-        <a:font script="Viet" typeface="Arial"/>
-        <a:font script="Uigh" typeface="Microsoft Uighur"/>
-        <a:font script="Geor" typeface="Sylfaen"/>
-      </a:minorFont>
-    </a:fontScheme>
-    <a:fmtScheme name="Office">
-      <a:fillStyleLst>
-        <a:solidFill>
-          <a:schemeClr val="phClr"/>
-        </a:solidFill>
-        <a:gradFill rotWithShape="1">
-          <a:gsLst>
-            <a:gs pos="0">
-              <a:schemeClr val="phClr">
-                <a:tint val="50000"/>
-                <a:satMod val="300000"/>
-              </a:schemeClr>
-            </a:gs>
-            <a:gs pos="35000">
-              <a:schemeClr val="phClr">
-                <a:tint val="37000"/>
-                <a:satMod val="300000"/>
-              </a:schemeClr>
-            </a:gs>
-            <a:gs pos="100000">
-              <a:schemeClr val="phClr">
-                <a:tint val="15000"/>
-                <a:satMod val="350000"/>
-              </a:schemeClr>
-            </a:gs>
-          </a:gsLst>
-          <a:lin ang="16200000" scaled="1"/>
-        </a:gradFill>
-        <a:gradFill rotWithShape="1">
-          <a:gsLst>
-            <a:gs pos="0">
-              <a:schemeClr val="phClr">
-                <a:tint val="100000"/>
-                <a:shade val="100000"/>
-                <a:satMod val="130000"/>
-              </a:schemeClr>
-            </a:gs>
-            <a:gs pos="100000">
-              <a:schemeClr val="phClr">
-                <a:tint val="50000"/>
-                <a:shade val="100000"/>
-                <a:satMod val="350000"/>
-              </a:schemeClr>
-            </a:gs>
-          </a:gsLst>
-          <a:lin ang="16200000" scaled="0"/>
-        </a:gradFill>
-      </a:fillStyleLst>
-      <a:lnStyleLst>
-        <a:ln w="9525" cap="flat" cmpd="sng" algn="ctr">
-          <a:solidFill>
-            <a:schemeClr val="phClr">
-              <a:shade val="95000"/>
-              <a:satMod val="105000"/>
-            </a:schemeClr>
-          </a:solidFill>
-          <a:prstDash val="solid"/>
-        </a:ln>
-        <a:ln w="25400" cap="flat" cmpd="sng" algn="ctr">
-          <a:solidFill>
-            <a:schemeClr val="phClr"/>
-          </a:solidFill>
-          <a:prstDash val="solid"/>
-        </a:ln>
-        <a:ln w="38100" cap="flat" cmpd="sng" algn="ctr">
-          <a:solidFill>
-            <a:schemeClr val="phClr"/>
-          </a:solidFill>
-          <a:prstDash val="solid"/>
-        </a:ln>
-      </a:lnStyleLst>
-      <a:effectStyleLst>
-        <a:effectStyle>
-          <a:effectLst>
-            <a:outerShdw blurRad="40000" dist="20000" dir="5400000" rotWithShape="0">
-              <a:srgbClr val="000000">
-                <a:alpha val="38000"/>
-              </a:srgbClr>
-            </a:outerShdw>
-          </a:effectLst>
-        </a:effectStyle>
-        <a:effectStyle>
-          <a:effectLst>
-            <a:outerShdw blurRad="40000" dist="23000" dir="5400000" rotWithShape="0">
-              <a:srgbClr val="000000">
-                <a:alpha val="35000"/>
-              </a:srgbClr>
-            </a:outerShdw>
-          </a:effectLst>
-        </a:effectStyle>
-        <a:effectStyle>
-          <a:effectLst>
-            <a:outerShdw blurRad="40000" dist="23000" dir="5400000" rotWithShape="0">
-              <a:srgbClr val="000000">
-                <a:alpha val="35000"/>
-              </a:srgbClr>
-            </a:outerShdw>
-          </a:effectLst>
-          <a:scene3d>
-            <a:camera prst="orthographicFront">
-              <a:rot lat="0" lon="0" rev="0"/>
-            </a:camera>
-            <a:lightRig rig="threePt" dir="t">
-              <a:rot lat="0" lon="0" rev="1200000"/>
-            </a:lightRig>
-          </a:scene3d>
-          <a:sp3d>
-            <a:bevelT w="63500" h="25400"/>
-          </a:sp3d>
-        </a:effectStyle>
-      </a:effectStyleLst>
-      <a:bgFillStyleLst>
-        <a:solidFill>
-          <a:schemeClr val="phClr"/>
-        </a:solidFill>
-        <a:gradFill rotWithShape="1">
-          <a:gsLst>
-            <a:gs pos="0">
-              <a:schemeClr val="phClr">
-                <a:tint val="40000"/>
-                <a:satMod val="350000"/>
-              </a:schemeClr>
-            </a:gs>
-            <a:gs pos="40000">
-              <a:schemeClr val="phClr">
-                <a:tint val="45000"/>
-                <a:shade val="99000"/>
-                <a:satMod val="350000"/>
-              </a:schemeClr>
-            </a:gs>
-            <a:gs pos="100000">
-              <a:schemeClr val="phClr">
-                <a:shade val="20000"/>
-                <a:satMod val="255000"/>
-              </a:schemeClr>
-            </a:gs>
-          </a:gsLst>
-          <a:path path="circle">
-            <a:fillToRect l="50000" t="-80000" r="50000" b="180000"/>
-          </a:path>
-        </a:gradFill>
-        <a:gradFill rotWithShape="1">
-          <a:gsLst>
-            <a:gs pos="0">
-              <a:schemeClr val="phClr">
-                <a:tint val="80000"/>
-                <a:satMod val="300000"/>
-              </a:schemeClr>
-            </a:gs>
-            <a:gs pos="100000">
-              <a:schemeClr val="phClr">
-                <a:shade val="30000"/>
-                <a:satMod val="200000"/>
-              </a:schemeClr>
-            </a:gs>
-          </a:gsLst>
-          <a:path path="circle">
-            <a:fillToRect l="50000" t="50000" r="50000" b="50000"/>
-          </a:path>
-        </a:gradFill>
-      </a:bgFillStyleLst>
-    </a:fmtScheme>
-  </a:themeElements>
-</a:theme>
 </file>